--- a/Courses/Software-Sciences/Module-1-OOP-New/07.1-Classes-and-Objects-Basics/07.1-Classes-and-Objects-Basics.pptx
+++ b/Courses/Software-Sciences/Module-1-OOP-New/07.1-Classes-and-Objects-Basics/07.1-Classes-and-Objects-Basics.pptx
@@ -5,10 +5,10 @@
     <p:sldMasterId id="2147483675" r:id="rId1"/>
   </p:sldMasterIdLst>
   <p:notesMasterIdLst>
-    <p:notesMasterId r:id="rId36"/>
+    <p:notesMasterId r:id="rId37"/>
   </p:notesMasterIdLst>
   <p:handoutMasterIdLst>
-    <p:handoutMasterId r:id="rId37"/>
+    <p:handoutMasterId r:id="rId38"/>
   </p:handoutMasterIdLst>
   <p:sldIdLst>
     <p:sldId id="297" r:id="rId2"/>
@@ -42,9 +42,10 @@
     <p:sldId id="544" r:id="rId30"/>
     <p:sldId id="545" r:id="rId31"/>
     <p:sldId id="546" r:id="rId32"/>
-    <p:sldId id="343" r:id="rId33"/>
-    <p:sldId id="401" r:id="rId34"/>
-    <p:sldId id="493" r:id="rId35"/>
+    <p:sldId id="547" r:id="rId33"/>
+    <p:sldId id="343" r:id="rId34"/>
+    <p:sldId id="401" r:id="rId35"/>
+    <p:sldId id="493" r:id="rId36"/>
   </p:sldIdLst>
   <p:sldSz cx="12192000" cy="6858000"/>
   <p:notesSz cx="6858000" cy="9144000"/>
@@ -199,6 +200,7 @@
             <p14:sldId id="544"/>
             <p14:sldId id="545"/>
             <p14:sldId id="546"/>
+            <p14:sldId id="547"/>
           </p14:sldIdLst>
         </p14:section>
         <p14:section name="Обобщение" id="{DD02C24B-513C-4CFA-9E95-574B842AE999}">
@@ -325,7 +327,7 @@
           <a:p>
             <a:fld id="{4E087215-0C8F-4762-A664-737A353EC9A4}" type="datetimeFigureOut">
               <a:rPr lang="bg-BG" smtClean="0"/>
-              <a:t>23.01.23 г.</a:t>
+              <a:t>24.1.2023 г.</a:t>
             </a:fld>
             <a:endParaRPr lang="bg-BG"/>
           </a:p>
@@ -516,7 +518,7 @@
           <a:p>
             <a:fld id="{72D84649-876A-46C9-8472-14CB09C070D8}" type="datetimeFigureOut">
               <a:rPr lang="en-US" smtClean="0"/>
-              <a:t>1/23/23</a:t>
+              <a:t>24-Jan-23</a:t>
             </a:fld>
             <a:endParaRPr lang="en-US"/>
           </a:p>
@@ -1929,7 +1931,7 @@
             <a:fld id="{3EBA5BD7-F043-4D1B-AA17-CD412FC534DE}" type="slidenum">
               <a:rPr lang="en-US" smtClean="0"/>
               <a:pPr/>
-              <a:t>32</a:t>
+              <a:t>33</a:t>
             </a:fld>
             <a:endParaRPr lang="en-US"/>
           </a:p>
@@ -2170,7 +2172,7 @@
             <a:fld id="{3EBA5BD7-F043-4D1B-AA17-CD412FC534DE}" type="slidenum">
               <a:rPr lang="en-US" smtClean="0"/>
               <a:pPr/>
-              <a:t>33</a:t>
+              <a:t>34</a:t>
             </a:fld>
             <a:endParaRPr lang="en-US"/>
           </a:p>
@@ -2411,7 +2413,7 @@
             <a:fld id="{3EBA5BD7-F043-4D1B-AA17-CD412FC534DE}" type="slidenum">
               <a:rPr lang="en-US" smtClean="0"/>
               <a:pPr/>
-              <a:t>34</a:t>
+              <a:t>35</a:t>
             </a:fld>
             <a:endParaRPr lang="en-US"/>
           </a:p>
@@ -31195,11 +31197,11 @@
           </a:lstStyle>
           <a:p>
             <a:r>
-              <a:rPr lang="en-US" sz="2399"/>
+              <a:rPr lang="en-US" sz="2399" dirty="0"/>
               <a:t>public </a:t>
             </a:r>
             <a:r>
-              <a:rPr lang="en-US" sz="2399">
+              <a:rPr lang="en-US" sz="2399" dirty="0">
                 <a:solidFill>
                   <a:schemeClr val="bg1"/>
                 </a:solidFill>
@@ -31207,19 +31209,19 @@
               <a:t>string WhoAmI</a:t>
             </a:r>
             <a:r>
-              <a:rPr lang="en-US" sz="2399"/>
+              <a:rPr lang="en-US" sz="2399" dirty="0"/>
               <a:t>()</a:t>
             </a:r>
           </a:p>
           <a:p>
             <a:r>
-              <a:rPr lang="en-US" sz="2399"/>
+              <a:rPr lang="en-US" sz="2399" dirty="0"/>
               <a:t>{</a:t>
             </a:r>
           </a:p>
           <a:p>
             <a:r>
-              <a:rPr lang="en-US" sz="2399"/>
+              <a:rPr lang="en-US" sz="2399" dirty="0"/>
               <a:t>  StringBuilder sb = new StringBuilder();</a:t>
             </a:r>
           </a:p>
@@ -31236,7 +31238,7 @@
               </a:spcAft>
             </a:pPr>
             <a:r>
-              <a:rPr lang="en-US" sz="2399"/>
+              <a:rPr lang="en-US" sz="2399" dirty="0"/>
               <a:t>  sb.AppendLine($"Make: {this.Make}");</a:t>
             </a:r>
           </a:p>
@@ -31253,7 +31255,7 @@
               </a:spcAft>
             </a:pPr>
             <a:r>
-              <a:rPr lang="en-US" sz="2399"/>
+              <a:rPr lang="en-US" sz="2399" dirty="0"/>
               <a:t>  sb.AppendLine($"Model: {this.Model}");</a:t>
             </a:r>
           </a:p>
@@ -31270,7 +31272,7 @@
               </a:spcAft>
             </a:pPr>
             <a:r>
-              <a:rPr lang="en-US" sz="2399"/>
+              <a:rPr lang="en-US" sz="2399" dirty="0"/>
               <a:t>  sb.AppendLine($"Year: {this.Year}");</a:t>
             </a:r>
           </a:p>
@@ -31287,7 +31289,7 @@
               </a:spcAft>
             </a:pPr>
             <a:r>
-              <a:rPr lang="en-US" sz="2399"/>
+              <a:rPr lang="en-US" sz="2399" dirty="0"/>
               <a:t>  sb.Append($"Fuel: {this.FuelQuantity:F2}L");</a:t>
             </a:r>
           </a:p>
@@ -31304,13 +31306,13 @@
               </a:spcAft>
             </a:pPr>
             <a:r>
-              <a:rPr lang="en-US" sz="2399"/>
+              <a:rPr lang="en-US" sz="2399" dirty="0"/>
               <a:t>  return sb.ToString();</a:t>
             </a:r>
           </a:p>
           <a:p>
             <a:r>
-              <a:rPr lang="en-US" sz="2399"/>
+              <a:rPr lang="en-US" sz="2399" dirty="0"/>
               <a:t>}</a:t>
             </a:r>
           </a:p>
@@ -33317,7 +33319,7 @@
               </a:spcAft>
             </a:pPr>
             <a:r>
-              <a:rPr lang="en-US" sz="2799">
+              <a:rPr lang="en-US" sz="2799" dirty="0">
                 <a:solidFill>
                   <a:schemeClr val="tx1"/>
                 </a:solidFill>
@@ -33325,7 +33327,7 @@
               <a:t>public class Rectangle</a:t>
             </a:r>
             <a:r>
-              <a:rPr lang="bg-BG" sz="2799">
+              <a:rPr lang="bg-BG" sz="2799" dirty="0">
                 <a:solidFill>
                   <a:schemeClr val="tx1"/>
                 </a:solidFill>
@@ -33333,7 +33335,7 @@
               <a:t> </a:t>
             </a:r>
             <a:r>
-              <a:rPr lang="en-US" sz="2799">
+              <a:rPr lang="en-US" sz="2799" dirty="0">
                 <a:solidFill>
                   <a:schemeClr val="tx1"/>
                 </a:solidFill>
@@ -33354,12 +33356,12 @@
               </a:spcAft>
             </a:pPr>
             <a:r>
-              <a:rPr lang="en-US" sz="2799">
-                <a:solidFill>
-                  <a:schemeClr val="tx1"/>
-                </a:solidFill>
-              </a:rPr>
-              <a:t>  </a:t>
+              <a:rPr lang="en-US" sz="2799" dirty="0">
+                <a:solidFill>
+                  <a:schemeClr val="tx1"/>
+                </a:solidFill>
+              </a:rPr>
+              <a:t>  public </a:t>
             </a:r>
             <a:r>
               <a:rPr lang="en-US" sz="2799" noProof="1">
@@ -33367,7 +33369,7 @@
                   <a:schemeClr val="tx1"/>
                 </a:solidFill>
               </a:rPr>
-              <a:t>int width;</a:t>
+              <a:t>int Width { get; set; }</a:t>
             </a:r>
           </a:p>
           <a:p>
@@ -33388,7 +33390,23 @@
                   <a:schemeClr val="tx1"/>
                 </a:solidFill>
               </a:rPr>
-              <a:t>  int height;</a:t>
+              <a:t>  </a:t>
+            </a:r>
+            <a:r>
+              <a:rPr lang="en-US" sz="2799" dirty="0">
+                <a:solidFill>
+                  <a:schemeClr val="tx1"/>
+                </a:solidFill>
+              </a:rPr>
+              <a:t>public </a:t>
+            </a:r>
+            <a:r>
+              <a:rPr lang="en-US" sz="2799" noProof="1">
+                <a:solidFill>
+                  <a:schemeClr val="tx1"/>
+                </a:solidFill>
+              </a:rPr>
+              <a:t>int Height { get; set; }</a:t>
             </a:r>
           </a:p>
           <a:p>
@@ -33409,7 +33427,23 @@
                   <a:schemeClr val="tx1"/>
                 </a:solidFill>
               </a:rPr>
-              <a:t>  string color;</a:t>
+              <a:t>  </a:t>
+            </a:r>
+            <a:r>
+              <a:rPr lang="en-US" sz="2799" dirty="0">
+                <a:solidFill>
+                  <a:schemeClr val="tx1"/>
+                </a:solidFill>
+              </a:rPr>
+              <a:t>public </a:t>
+            </a:r>
+            <a:r>
+              <a:rPr lang="en-US" sz="2799" noProof="1">
+                <a:solidFill>
+                  <a:schemeClr val="tx1"/>
+                </a:solidFill>
+              </a:rPr>
+              <a:t>string Color { get; set; }</a:t>
             </a:r>
           </a:p>
           <a:p>
@@ -33522,7 +33556,7 @@
                   <a:schemeClr val="tx1"/>
                 </a:solidFill>
               </a:rPr>
-              <a:t>    this.width = width;</a:t>
+              <a:t>    this.Width = width;</a:t>
             </a:r>
           </a:p>
           <a:p>
@@ -33543,7 +33577,7 @@
                   <a:schemeClr val="tx1"/>
                 </a:solidFill>
               </a:rPr>
-              <a:t>    this.height =</a:t>
+              <a:t>    this.Height =</a:t>
             </a:r>
             <a:r>
               <a:rPr lang="en-US" sz="2799" noProof="1"/>
@@ -33576,7 +33610,7 @@
                   <a:schemeClr val="tx1"/>
                 </a:solidFill>
               </a:rPr>
-              <a:t>    this.color = color;</a:t>
+              <a:t>    this.Color = color;</a:t>
             </a:r>
           </a:p>
           <a:p>
@@ -33592,7 +33626,7 @@
               </a:spcAft>
             </a:pPr>
             <a:r>
-              <a:rPr lang="en-US" sz="2799">
+              <a:rPr lang="en-US" sz="2799" dirty="0">
                 <a:solidFill>
                   <a:schemeClr val="tx1"/>
                 </a:solidFill>
@@ -33613,7 +33647,7 @@
               </a:spcAft>
             </a:pPr>
             <a:r>
-              <a:rPr lang="en-US" sz="2799">
+              <a:rPr lang="en-US" sz="2799" dirty="0">
                 <a:solidFill>
                   <a:schemeClr val="tx1"/>
                 </a:solidFill>
@@ -34444,6 +34478,194 @@
       </p:grpSpPr>
       <p:sp>
         <p:nvSpPr>
+          <p:cNvPr id="2" name="Slide Number Placeholder 1">
+            <a:extLst>
+              <a:ext uri="{FF2B5EF4-FFF2-40B4-BE49-F238E27FC236}">
+                <a16:creationId xmlns:a16="http://schemas.microsoft.com/office/drawing/2014/main" id="{B797F190-BE4A-98F7-15DB-7FD1AB063A36}"/>
+              </a:ext>
+            </a:extLst>
+          </p:cNvPr>
+          <p:cNvSpPr>
+            <a:spLocks noGrp="1"/>
+          </p:cNvSpPr>
+          <p:nvPr>
+            <p:ph type="sldNum" sz="quarter" idx="4"/>
+          </p:nvPr>
+        </p:nvSpPr>
+        <p:spPr/>
+        <p:txBody>
+          <a:bodyPr/>
+          <a:lstStyle/>
+          <a:p>
+            <a:fld id="{2BF067CD-8E6B-4360-9AA8-C5DF2A48A6D1}" type="slidenum">
+              <a:rPr lang="en-US" noProof="0" smtClean="0"/>
+              <a:pPr/>
+              <a:t>32</a:t>
+            </a:fld>
+            <a:endParaRPr lang="en-US" noProof="0"/>
+          </a:p>
+        </p:txBody>
+      </p:sp>
+      <p:sp>
+        <p:nvSpPr>
+          <p:cNvPr id="3" name="Text Placeholder 2">
+            <a:extLst>
+              <a:ext uri="{FF2B5EF4-FFF2-40B4-BE49-F238E27FC236}">
+                <a16:creationId xmlns:a16="http://schemas.microsoft.com/office/drawing/2014/main" id="{F1E69EF9-8507-FB75-BAAA-D2EBCD2CC4DE}"/>
+              </a:ext>
+            </a:extLst>
+          </p:cNvPr>
+          <p:cNvSpPr>
+            <a:spLocks noGrp="1"/>
+          </p:cNvSpPr>
+          <p:nvPr>
+            <p:ph type="body" sz="quarter" idx="12"/>
+          </p:nvPr>
+        </p:nvSpPr>
+        <p:spPr/>
+        <p:txBody>
+          <a:bodyPr/>
+          <a:lstStyle/>
+          <a:p>
+            <a:r>
+              <a:rPr lang="bg-BG" dirty="0"/>
+              <a:t>Можем да създаваме </a:t>
+            </a:r>
+            <a:r>
+              <a:rPr lang="bg-BG" b="1" dirty="0"/>
+              <a:t>обекти</a:t>
+            </a:r>
+            <a:r>
+              <a:rPr lang="bg-BG" dirty="0"/>
+              <a:t> от дефинирания клас:</a:t>
+            </a:r>
+            <a:endParaRPr lang="en-US" dirty="0"/>
+          </a:p>
+        </p:txBody>
+      </p:sp>
+      <p:sp>
+        <p:nvSpPr>
+          <p:cNvPr id="4" name="Text Placeholder 3">
+            <a:extLst>
+              <a:ext uri="{FF2B5EF4-FFF2-40B4-BE49-F238E27FC236}">
+                <a16:creationId xmlns:a16="http://schemas.microsoft.com/office/drawing/2014/main" id="{2E28232C-D1C9-848B-4C7E-80F1AF96C03A}"/>
+              </a:ext>
+            </a:extLst>
+          </p:cNvPr>
+          <p:cNvSpPr>
+            <a:spLocks noGrp="1"/>
+          </p:cNvSpPr>
+          <p:nvPr>
+            <p:ph type="body" sz="quarter" idx="11"/>
+          </p:nvPr>
+        </p:nvSpPr>
+        <p:spPr>
+          <a:xfrm>
+            <a:off x="674683" y="2034000"/>
+            <a:ext cx="10836275" cy="2561828"/>
+          </a:xfrm>
+        </p:spPr>
+        <p:txBody>
+          <a:bodyPr/>
+          <a:lstStyle/>
+          <a:p>
+            <a:r>
+              <a:rPr lang="en-US" noProof="1"/>
+              <a:t>var r1 = new Rectangle(30, 20, "white");</a:t>
+            </a:r>
+          </a:p>
+          <a:p>
+            <a:r>
+              <a:rPr lang="en-US" noProof="1"/>
+              <a:t>var r2 = new Rectangle(15, 15, "green");</a:t>
+            </a:r>
+          </a:p>
+          <a:p>
+            <a:endParaRPr lang="en-US" noProof="1"/>
+          </a:p>
+          <a:p>
+            <a:r>
+              <a:rPr lang="en-US" noProof="1"/>
+              <a:t>Console.WriteLine("r1 area: " + r1.Width * r1.Height);</a:t>
+            </a:r>
+          </a:p>
+          <a:p>
+            <a:r>
+              <a:rPr lang="en-US" noProof="1"/>
+              <a:t>Console.WriteLine("r2 area: " + r2.Width * r2.Height);</a:t>
+            </a:r>
+          </a:p>
+        </p:txBody>
+      </p:sp>
+      <p:sp>
+        <p:nvSpPr>
+          <p:cNvPr id="5" name="Title 4">
+            <a:extLst>
+              <a:ext uri="{FF2B5EF4-FFF2-40B4-BE49-F238E27FC236}">
+                <a16:creationId xmlns:a16="http://schemas.microsoft.com/office/drawing/2014/main" id="{F819ABE1-AD47-9550-B138-6DA250BE7D0D}"/>
+              </a:ext>
+            </a:extLst>
+          </p:cNvPr>
+          <p:cNvSpPr>
+            <a:spLocks noGrp="1"/>
+          </p:cNvSpPr>
+          <p:nvPr>
+            <p:ph type="title"/>
+          </p:nvPr>
+        </p:nvSpPr>
+        <p:spPr/>
+        <p:txBody>
+          <a:bodyPr/>
+          <a:lstStyle/>
+          <a:p>
+            <a:r>
+              <a:rPr lang="bg-BG" dirty="0"/>
+              <a:t>Извикване на конструктор</a:t>
+            </a:r>
+            <a:endParaRPr lang="en-US" dirty="0"/>
+          </a:p>
+        </p:txBody>
+      </p:sp>
+    </p:spTree>
+    <p:extLst>
+      <p:ext uri="{BB962C8B-B14F-4D97-AF65-F5344CB8AC3E}">
+        <p14:creationId xmlns:p14="http://schemas.microsoft.com/office/powerpoint/2010/main" val="922392552"/>
+      </p:ext>
+    </p:extLst>
+  </p:cSld>
+  <p:clrMapOvr>
+    <a:masterClrMapping/>
+  </p:clrMapOvr>
+  <mc:AlternateContent xmlns:mc="http://schemas.openxmlformats.org/markup-compatibility/2006" xmlns:p14="http://schemas.microsoft.com/office/powerpoint/2010/main">
+    <mc:Choice Requires="p14">
+      <p:transition spd="slow" p14:dur="2000" advClick="0" advTm="5000"/>
+    </mc:Choice>
+    <mc:Fallback xmlns="">
+      <p:transition spd="slow" advClick="0" advTm="5000"/>
+    </mc:Fallback>
+  </mc:AlternateContent>
+</p:sld>
+</file>
+
+<file path=ppt/slides/slide33.xml><?xml version="1.0" encoding="utf-8"?>
+<p:sld xmlns:a="http://schemas.openxmlformats.org/drawingml/2006/main" xmlns:r="http://schemas.openxmlformats.org/officeDocument/2006/relationships" xmlns:p="http://schemas.openxmlformats.org/presentationml/2006/main">
+  <p:cSld>
+    <p:spTree>
+      <p:nvGrpSpPr>
+        <p:cNvPr id="1" name=""/>
+        <p:cNvGrpSpPr/>
+        <p:nvPr/>
+      </p:nvGrpSpPr>
+      <p:grpSpPr>
+        <a:xfrm>
+          <a:off x="0" y="0"/>
+          <a:ext cx="0" cy="0"/>
+          <a:chOff x="0" y="0"/>
+          <a:chExt cx="0" cy="0"/>
+        </a:xfrm>
+      </p:grpSpPr>
+      <p:sp>
+        <p:nvSpPr>
           <p:cNvPr id="14" name="Text Placeholder 4">
             <a:extLst>
               <a:ext uri="{FF2B5EF4-FFF2-40B4-BE49-F238E27FC236}">
@@ -35455,7 +35677,7 @@
             <a:fld id="{2BF067CD-8E6B-4360-9AA8-C5DF2A48A6D1}" type="slidenum">
               <a:rPr lang="en-US" noProof="0" smtClean="0"/>
               <a:pPr/>
-              <a:t>32</a:t>
+              <a:t>33</a:t>
             </a:fld>
             <a:endParaRPr lang="en-US" noProof="0"/>
           </a:p>
@@ -35806,7 +36028,7 @@
 </p:sld>
 </file>
 
-<file path=ppt/slides/slide33.xml><?xml version="1.0" encoding="utf-8"?>
+<file path=ppt/slides/slide34.xml><?xml version="1.0" encoding="utf-8"?>
 <p:sld xmlns:a="http://schemas.openxmlformats.org/drawingml/2006/main" xmlns:r="http://schemas.openxmlformats.org/officeDocument/2006/relationships" xmlns:p="http://schemas.openxmlformats.org/presentationml/2006/main">
   <p:cSld>
     <p:spTree>
@@ -35885,7 +36107,7 @@
 </p:sld>
 </file>
 
-<file path=ppt/slides/slide34.xml><?xml version="1.0" encoding="utf-8"?>
+<file path=ppt/slides/slide35.xml><?xml version="1.0" encoding="utf-8"?>
 <p:sld xmlns:a="http://schemas.openxmlformats.org/drawingml/2006/main" xmlns:r="http://schemas.openxmlformats.org/officeDocument/2006/relationships" xmlns:p="http://schemas.openxmlformats.org/presentationml/2006/main">
   <p:cSld>
     <p:spTree>
@@ -36149,7 +36371,7 @@
             <a:fld id="{2BF067CD-8E6B-4360-9AA8-C5DF2A48A6D1}" type="slidenum">
               <a:rPr lang="en-US" noProof="0" smtClean="0"/>
               <a:pPr/>
-              <a:t>34</a:t>
+              <a:t>35</a:t>
             </a:fld>
             <a:endParaRPr lang="en-US" noProof="0"/>
           </a:p>
